--- a/libreplanetdeck.pptx
+++ b/libreplanetdeck.pptx
@@ -4512,7 +4512,21 @@
                 </a:uFill>
                 <a:latin typeface="Arial"/>
               </a:rPr>
-              <a:t>Click to edit the title text format</a:t>
+              <a:t>Click to edit the title text </a:t>
+            </a:r>
+            <a:r>
+              <a:rPr b="0" lang="en-US" sz="5200" spc="-1" strike="noStrike">
+                <a:solidFill>
+                  <a:srgbClr val="000000"/>
+                </a:solidFill>
+                <a:uFill>
+                  <a:solidFill>
+                    <a:srgbClr val="ffffff"/>
+                  </a:solidFill>
+                </a:uFill>
+                <a:latin typeface="Arial"/>
+              </a:rPr>
+              <a:t>format</a:t>
             </a:r>
             <a:endParaRPr b="0" lang="en-US" sz="5200" spc="-1" strike="noStrike">
               <a:solidFill>
@@ -4555,7 +4569,7 @@
                 <a:spcPct val="100000"/>
               </a:lnSpc>
             </a:pPr>
-            <a:fld id="{9293EB20-5555-496C-A40B-DDCD7A7E93D2}" type="slidenum">
+            <a:fld id="{8A566C3D-0996-4251-94AE-447318DAF18A}" type="slidenum">
               <a:rPr b="0" lang="en-US" sz="1400" spc="-1" strike="noStrike">
                 <a:solidFill>
                   <a:srgbClr val="000000"/>
@@ -5286,7 +5300,7 @@
                 <a:spcPct val="100000"/>
               </a:lnSpc>
             </a:pPr>
-            <a:fld id="{4AEB1B93-1AB4-446F-B5AE-7BCA33FC5FE4}" type="slidenum">
+            <a:fld id="{F57E3B3F-87FB-44F3-B41B-A9CF4CD6EA72}" type="slidenum">
               <a:rPr b="0" lang="en-US" sz="1400" spc="-1" strike="noStrike">
                 <a:solidFill>
                   <a:srgbClr val="000000"/>
@@ -5647,21 +5661,7 @@
                 </a:uFill>
                 <a:latin typeface="Arial"/>
               </a:rPr>
-              <a:t>Sixth Outline </a:t>
-            </a:r>
-            <a:r>
-              <a:rPr b="0" lang="en-US" sz="1400" spc="-1" strike="noStrike">
-                <a:solidFill>
-                  <a:srgbClr val="000000"/>
-                </a:solidFill>
-                <a:uFill>
-                  <a:solidFill>
-                    <a:srgbClr val="ffffff"/>
-                  </a:solidFill>
-                </a:uFill>
-                <a:latin typeface="Arial"/>
-              </a:rPr>
-              <a:t>Level</a:t>
+              <a:t>Sixth Outline Level</a:t>
             </a:r>
             <a:endParaRPr b="0" lang="en-US" sz="1400" spc="-1" strike="noStrike">
               <a:solidFill>
@@ -5699,35 +5699,7 @@
                 </a:uFill>
                 <a:latin typeface="Arial"/>
               </a:rPr>
-              <a:t>Seventh </a:t>
-            </a:r>
-            <a:r>
-              <a:rPr b="0" lang="en-US" sz="1400" spc="-1" strike="noStrike">
-                <a:solidFill>
-                  <a:srgbClr val="000000"/>
-                </a:solidFill>
-                <a:uFill>
-                  <a:solidFill>
-                    <a:srgbClr val="ffffff"/>
-                  </a:solidFill>
-                </a:uFill>
-                <a:latin typeface="Arial"/>
-              </a:rPr>
-              <a:t>Outline </a:t>
-            </a:r>
-            <a:r>
-              <a:rPr b="0" lang="en-US" sz="1400" spc="-1" strike="noStrike">
-                <a:solidFill>
-                  <a:srgbClr val="000000"/>
-                </a:solidFill>
-                <a:uFill>
-                  <a:solidFill>
-                    <a:srgbClr val="ffffff"/>
-                  </a:solidFill>
-                </a:uFill>
-                <a:latin typeface="Arial"/>
-              </a:rPr>
-              <a:t>Level</a:t>
+              <a:t>Seventh Outline Level</a:t>
             </a:r>
             <a:endParaRPr b="0" lang="en-US" sz="1400" spc="-1" strike="noStrike">
               <a:solidFill>
@@ -6059,7 +6031,7 @@
                 <a:spcPct val="100000"/>
               </a:lnSpc>
             </a:pPr>
-            <a:fld id="{350C05F5-5765-407B-8AB7-522C64CA8D1F}" type="slidenum">
+            <a:fld id="{BC0FFF09-4E08-41B2-BCE1-1550A404C0A7}" type="slidenum">
               <a:rPr b="0" lang="en-US" sz="1400" spc="-1" strike="noStrike">
                 <a:solidFill>
                   <a:srgbClr val="000000"/>
@@ -13644,7 +13616,7 @@
         </p:nvSpPr>
         <p:spPr>
           <a:xfrm>
-            <a:off x="311760" y="2929680"/>
+            <a:off x="311760" y="3397680"/>
             <a:ext cx="8520120" cy="2052360"/>
           </a:xfrm>
           <a:prstGeom prst="rect">
@@ -13676,7 +13648,37 @@
                 <a:latin typeface="SU2EB2-CC"/>
                 <a:ea typeface="Arial"/>
               </a:rPr>
-              <a:t>Thank You Libreplanet &lt;3</a:t>
+              <a:t>Thank You </a:t>
+            </a:r>
+            <a:r>
+              <a:rPr b="0" lang="en-US" sz="4800" spc="-1" strike="noStrike">
+                <a:solidFill>
+                  <a:srgbClr val="000000"/>
+                </a:solidFill>
+                <a:uFill>
+                  <a:solidFill>
+                    <a:srgbClr val="ffffff"/>
+                  </a:solidFill>
+                </a:uFill>
+                <a:latin typeface="SU2EB2-CC"/>
+                <a:ea typeface="Arial"/>
+              </a:rPr>
+              <a:t>Libreplanet </a:t>
+            </a:r>
+            <a:r>
+              <a:rPr b="0" lang="en-US" sz="4800" spc="-1" strike="noStrike">
+                <a:solidFill>
+                  <a:srgbClr val="000000"/>
+                </a:solidFill>
+                <a:uFill>
+                  <a:solidFill>
+                    <a:srgbClr val="ffffff"/>
+                  </a:solidFill>
+                </a:uFill>
+                <a:latin typeface="SU2EB2-CC"/>
+                <a:ea typeface="Arial"/>
+              </a:rPr>
+              <a:t>&lt;3</a:t>
             </a:r>
             <a:r>
               <a:rPr b="0" lang="en-US" sz="4800" spc="-1" strike="noStrike">
@@ -13723,7 +13725,22 @@
                 <a:latin typeface="SU2EB2-CC"/>
                 <a:ea typeface="Arial"/>
               </a:rPr>
-              <a:t>@remy_d | irc: decause</a:t>
+              <a:t>@remy_d | irc: </a:t>
+            </a:r>
+            <a:r>
+              <a:rPr b="0" lang="en-US" sz="3200" spc="-1" strike="noStrike">
+                <a:solidFill>
+                  <a:srgbClr val="000000"/>
+                </a:solidFill>
+                <a:uFill>
+                  <a:solidFill>
+                    <a:srgbClr val="ffffff"/>
+                  </a:solidFill>
+                </a:uFill>
+                <a:latin typeface="SU2EB2-CC"/>
+                <a:ea typeface="Arial"/>
+              </a:rPr>
+              <a:t>decause</a:t>
             </a:r>
             <a:r>
               <a:rPr b="0" lang="en-US" sz="3200" spc="-1" strike="noStrike">
@@ -13774,7 +13791,7 @@
 </a:t>
             </a:r>
             <a:r>
-              <a:rPr b="0" lang="en-US" sz="4800" spc="-1" strike="noStrike">
+              <a:rPr b="0" lang="en-US" sz="3200" spc="-1" strike="noStrike">
                 <a:solidFill>
                   <a:srgbClr val="000000"/>
                 </a:solidFill>
@@ -13790,7 +13807,7 @@
 </a:t>
             </a:r>
             <a:r>
-              <a:rPr b="0" lang="en-US" sz="2200" spc="-1" strike="noStrike">
+              <a:rPr b="0" lang="en-US" sz="1600" spc="-1" strike="noStrike">
                 <a:solidFill>
                   <a:srgbClr val="000000"/>
                 </a:solidFill>
@@ -13803,10 +13820,42 @@
                 <a:ea typeface="Arial"/>
                 <a:hlinkClick r:id="rId2"/>
               </a:rPr>
-              <a:t>https://github.com/decause/decks/libreplanet-falotct</a:t>
-            </a:r>
-            <a:r>
-              <a:rPr b="0" lang="en-US" sz="2200" spc="-1" strike="noStrike">
+              <a:t>https://github.com/decause/decks/blob/master/libreplanetdeck-falotct.pdf</a:t>
+            </a:r>
+            <a:r>
+              <a:rPr b="0" lang="en-US" sz="1600" spc="-1" strike="noStrike">
+                <a:solidFill>
+                  <a:srgbClr val="000000"/>
+                </a:solidFill>
+                <a:uFill>
+                  <a:solidFill>
+                    <a:srgbClr val="ffffff"/>
+                  </a:solidFill>
+                </a:uFill>
+                <a:latin typeface="SU2EB2-CC"/>
+                <a:ea typeface="Arial"/>
+              </a:rPr>
+              <a:t>
+</a:t>
+            </a:r>
+            <a:r>
+              <a:rPr b="0" lang="en-US" sz="3200" spc="-1" strike="noStrike">
+                <a:solidFill>
+                  <a:srgbClr val="000000"/>
+                </a:solidFill>
+                <a:uFill>
+                  <a:solidFill>
+                    <a:srgbClr val="ffffff"/>
+                  </a:solidFill>
+                </a:uFill>
+                <a:latin typeface="SU2EB2-CC"/>
+                <a:ea typeface="Arial"/>
+              </a:rPr>
+              <a:t>
+</a:t>
+            </a:r>
+            <a:r>
+              <a:rPr b="0" lang="en-US" sz="1600" spc="-1" strike="noStrike">
                 <a:solidFill>
                   <a:srgbClr val="000000"/>
                 </a:solidFill>
